--- a/eurofork/prj_02/progetto.pptx
+++ b/eurofork/prj_02/progetto.pptx
@@ -260,7 +260,7 @@
           <a:p>
             <a:fld id="{44C71245-D0CD-4987-8107-870E5B3537EA}" type="datetimeFigureOut">
               <a:rPr lang="it-IT" smtClean="0"/>
-              <a:t>10/03/2025</a:t>
+              <a:t>12/03/2025</a:t>
             </a:fld>
             <a:endParaRPr lang="it-IT"/>
           </a:p>
@@ -430,7 +430,7 @@
           <a:p>
             <a:fld id="{44C71245-D0CD-4987-8107-870E5B3537EA}" type="datetimeFigureOut">
               <a:rPr lang="it-IT" smtClean="0"/>
-              <a:t>10/03/2025</a:t>
+              <a:t>12/03/2025</a:t>
             </a:fld>
             <a:endParaRPr lang="it-IT"/>
           </a:p>
@@ -610,7 +610,7 @@
           <a:p>
             <a:fld id="{44C71245-D0CD-4987-8107-870E5B3537EA}" type="datetimeFigureOut">
               <a:rPr lang="it-IT" smtClean="0"/>
-              <a:t>10/03/2025</a:t>
+              <a:t>12/03/2025</a:t>
             </a:fld>
             <a:endParaRPr lang="it-IT"/>
           </a:p>
@@ -780,7 +780,7 @@
           <a:p>
             <a:fld id="{44C71245-D0CD-4987-8107-870E5B3537EA}" type="datetimeFigureOut">
               <a:rPr lang="it-IT" smtClean="0"/>
-              <a:t>10/03/2025</a:t>
+              <a:t>12/03/2025</a:t>
             </a:fld>
             <a:endParaRPr lang="it-IT"/>
           </a:p>
@@ -1026,7 +1026,7 @@
           <a:p>
             <a:fld id="{44C71245-D0CD-4987-8107-870E5B3537EA}" type="datetimeFigureOut">
               <a:rPr lang="it-IT" smtClean="0"/>
-              <a:t>10/03/2025</a:t>
+              <a:t>12/03/2025</a:t>
             </a:fld>
             <a:endParaRPr lang="it-IT"/>
           </a:p>
@@ -1258,7 +1258,7 @@
           <a:p>
             <a:fld id="{44C71245-D0CD-4987-8107-870E5B3537EA}" type="datetimeFigureOut">
               <a:rPr lang="it-IT" smtClean="0"/>
-              <a:t>10/03/2025</a:t>
+              <a:t>12/03/2025</a:t>
             </a:fld>
             <a:endParaRPr lang="it-IT"/>
           </a:p>
@@ -1625,7 +1625,7 @@
           <a:p>
             <a:fld id="{44C71245-D0CD-4987-8107-870E5B3537EA}" type="datetimeFigureOut">
               <a:rPr lang="it-IT" smtClean="0"/>
-              <a:t>10/03/2025</a:t>
+              <a:t>12/03/2025</a:t>
             </a:fld>
             <a:endParaRPr lang="it-IT"/>
           </a:p>
@@ -1743,7 +1743,7 @@
           <a:p>
             <a:fld id="{44C71245-D0CD-4987-8107-870E5B3537EA}" type="datetimeFigureOut">
               <a:rPr lang="it-IT" smtClean="0"/>
-              <a:t>10/03/2025</a:t>
+              <a:t>12/03/2025</a:t>
             </a:fld>
             <a:endParaRPr lang="it-IT"/>
           </a:p>
@@ -1838,7 +1838,7 @@
           <a:p>
             <a:fld id="{44C71245-D0CD-4987-8107-870E5B3537EA}" type="datetimeFigureOut">
               <a:rPr lang="it-IT" smtClean="0"/>
-              <a:t>10/03/2025</a:t>
+              <a:t>12/03/2025</a:t>
             </a:fld>
             <a:endParaRPr lang="it-IT"/>
           </a:p>
@@ -2115,7 +2115,7 @@
           <a:p>
             <a:fld id="{44C71245-D0CD-4987-8107-870E5B3537EA}" type="datetimeFigureOut">
               <a:rPr lang="it-IT" smtClean="0"/>
-              <a:t>10/03/2025</a:t>
+              <a:t>12/03/2025</a:t>
             </a:fld>
             <a:endParaRPr lang="it-IT"/>
           </a:p>
@@ -2372,7 +2372,7 @@
           <a:p>
             <a:fld id="{44C71245-D0CD-4987-8107-870E5B3537EA}" type="datetimeFigureOut">
               <a:rPr lang="it-IT" smtClean="0"/>
-              <a:t>10/03/2025</a:t>
+              <a:t>12/03/2025</a:t>
             </a:fld>
             <a:endParaRPr lang="it-IT"/>
           </a:p>
@@ -2585,7 +2585,7 @@
           <a:p>
             <a:fld id="{44C71245-D0CD-4987-8107-870E5B3537EA}" type="datetimeFigureOut">
               <a:rPr lang="it-IT" smtClean="0"/>
-              <a:t>10/03/2025</a:t>
+              <a:t>12/03/2025</a:t>
             </a:fld>
             <a:endParaRPr lang="it-IT"/>
           </a:p>
